--- a/s3/3_meeting.pptx
+++ b/s3/3_meeting.pptx
@@ -6226,7 +6226,7 @@
           <a:p>
             <a:fld id="{2D936F7A-6819-4516-A73A-464E3BB85930}" type="datetimeFigureOut">
               <a:rPr lang="pl-PL" smtClean="0"/>
-              <a:t>20.03.2024</a:t>
+              <a:t>22.04.2024</a:t>
             </a:fld>
             <a:endParaRPr lang="pl-PL"/>
           </a:p>
@@ -6936,7 +6936,7 @@
           <a:p>
             <a:fld id="{CF670440-02B1-48F1-AA81-AF2AD56BEBB0}" type="datetimeFigureOut">
               <a:rPr lang="pl-PL" smtClean="0"/>
-              <a:t>20.03.2024</a:t>
+              <a:t>22.04.2024</a:t>
             </a:fld>
             <a:endParaRPr lang="pl-PL"/>
           </a:p>
@@ -7106,7 +7106,7 @@
           <a:p>
             <a:fld id="{CF670440-02B1-48F1-AA81-AF2AD56BEBB0}" type="datetimeFigureOut">
               <a:rPr lang="pl-PL" smtClean="0"/>
-              <a:t>20.03.2024</a:t>
+              <a:t>22.04.2024</a:t>
             </a:fld>
             <a:endParaRPr lang="pl-PL"/>
           </a:p>
@@ -7286,7 +7286,7 @@
           <a:p>
             <a:fld id="{CF670440-02B1-48F1-AA81-AF2AD56BEBB0}" type="datetimeFigureOut">
               <a:rPr lang="pl-PL" smtClean="0"/>
-              <a:t>20.03.2024</a:t>
+              <a:t>22.04.2024</a:t>
             </a:fld>
             <a:endParaRPr lang="pl-PL"/>
           </a:p>
@@ -7476,7 +7476,7 @@
           <a:p>
             <a:fld id="{6BF00120-5FD5-4848-8E9F-274DF4A71269}" type="datetimeFigureOut">
               <a:rPr lang="en-GB" smtClean="0"/>
-              <a:t>20/03/2024</a:t>
+              <a:t>22/04/2024</a:t>
             </a:fld>
             <a:endParaRPr lang="en-GB"/>
           </a:p>
@@ -7644,7 +7644,7 @@
           <a:p>
             <a:fld id="{6BF00120-5FD5-4848-8E9F-274DF4A71269}" type="datetimeFigureOut">
               <a:rPr lang="en-GB" smtClean="0"/>
-              <a:t>20/03/2024</a:t>
+              <a:t>22/04/2024</a:t>
             </a:fld>
             <a:endParaRPr lang="en-GB"/>
           </a:p>
@@ -7889,7 +7889,7 @@
           <a:p>
             <a:fld id="{6BF00120-5FD5-4848-8E9F-274DF4A71269}" type="datetimeFigureOut">
               <a:rPr lang="en-GB" smtClean="0"/>
-              <a:t>20/03/2024</a:t>
+              <a:t>22/04/2024</a:t>
             </a:fld>
             <a:endParaRPr lang="en-GB"/>
           </a:p>
@@ -8118,7 +8118,7 @@
           <a:p>
             <a:fld id="{6BF00120-5FD5-4848-8E9F-274DF4A71269}" type="datetimeFigureOut">
               <a:rPr lang="en-GB" smtClean="0"/>
-              <a:t>20/03/2024</a:t>
+              <a:t>22/04/2024</a:t>
             </a:fld>
             <a:endParaRPr lang="en-GB"/>
           </a:p>
@@ -8482,7 +8482,7 @@
           <a:p>
             <a:fld id="{6BF00120-5FD5-4848-8E9F-274DF4A71269}" type="datetimeFigureOut">
               <a:rPr lang="en-GB" smtClean="0"/>
-              <a:t>20/03/2024</a:t>
+              <a:t>22/04/2024</a:t>
             </a:fld>
             <a:endParaRPr lang="en-GB"/>
           </a:p>
@@ -8599,7 +8599,7 @@
           <a:p>
             <a:fld id="{6BF00120-5FD5-4848-8E9F-274DF4A71269}" type="datetimeFigureOut">
               <a:rPr lang="en-GB" smtClean="0"/>
-              <a:t>20/03/2024</a:t>
+              <a:t>22/04/2024</a:t>
             </a:fld>
             <a:endParaRPr lang="en-GB"/>
           </a:p>
@@ -8694,7 +8694,7 @@
           <a:p>
             <a:fld id="{6BF00120-5FD5-4848-8E9F-274DF4A71269}" type="datetimeFigureOut">
               <a:rPr lang="en-GB" smtClean="0"/>
-              <a:t>20/03/2024</a:t>
+              <a:t>22/04/2024</a:t>
             </a:fld>
             <a:endParaRPr lang="en-GB"/>
           </a:p>
@@ -8969,7 +8969,7 @@
           <a:p>
             <a:fld id="{6BF00120-5FD5-4848-8E9F-274DF4A71269}" type="datetimeFigureOut">
               <a:rPr lang="en-GB" smtClean="0"/>
-              <a:t>20/03/2024</a:t>
+              <a:t>22/04/2024</a:t>
             </a:fld>
             <a:endParaRPr lang="en-GB"/>
           </a:p>
@@ -9139,7 +9139,7 @@
           <a:p>
             <a:fld id="{CF670440-02B1-48F1-AA81-AF2AD56BEBB0}" type="datetimeFigureOut">
               <a:rPr lang="pl-PL" smtClean="0"/>
-              <a:t>20.03.2024</a:t>
+              <a:t>22.04.2024</a:t>
             </a:fld>
             <a:endParaRPr lang="pl-PL"/>
           </a:p>
@@ -9394,7 +9394,7 @@
           <a:p>
             <a:fld id="{6BF00120-5FD5-4848-8E9F-274DF4A71269}" type="datetimeFigureOut">
               <a:rPr lang="en-GB" smtClean="0"/>
-              <a:t>20/03/2024</a:t>
+              <a:t>22/04/2024</a:t>
             </a:fld>
             <a:endParaRPr lang="en-GB"/>
           </a:p>
@@ -9562,7 +9562,7 @@
           <a:p>
             <a:fld id="{6BF00120-5FD5-4848-8E9F-274DF4A71269}" type="datetimeFigureOut">
               <a:rPr lang="en-GB" smtClean="0"/>
-              <a:t>20/03/2024</a:t>
+              <a:t>22/04/2024</a:t>
             </a:fld>
             <a:endParaRPr lang="en-GB"/>
           </a:p>
@@ -9740,7 +9740,7 @@
           <a:p>
             <a:fld id="{6BF00120-5FD5-4848-8E9F-274DF4A71269}" type="datetimeFigureOut">
               <a:rPr lang="en-GB" smtClean="0"/>
-              <a:t>20/03/2024</a:t>
+              <a:t>22/04/2024</a:t>
             </a:fld>
             <a:endParaRPr lang="en-GB"/>
           </a:p>
@@ -9986,7 +9986,7 @@
           <a:p>
             <a:fld id="{CF670440-02B1-48F1-AA81-AF2AD56BEBB0}" type="datetimeFigureOut">
               <a:rPr lang="pl-PL" smtClean="0"/>
-              <a:t>20.03.2024</a:t>
+              <a:t>22.04.2024</a:t>
             </a:fld>
             <a:endParaRPr lang="pl-PL"/>
           </a:p>
@@ -10218,7 +10218,7 @@
           <a:p>
             <a:fld id="{CF670440-02B1-48F1-AA81-AF2AD56BEBB0}" type="datetimeFigureOut">
               <a:rPr lang="pl-PL" smtClean="0"/>
-              <a:t>20.03.2024</a:t>
+              <a:t>22.04.2024</a:t>
             </a:fld>
             <a:endParaRPr lang="pl-PL"/>
           </a:p>
@@ -10585,7 +10585,7 @@
           <a:p>
             <a:fld id="{CF670440-02B1-48F1-AA81-AF2AD56BEBB0}" type="datetimeFigureOut">
               <a:rPr lang="pl-PL" smtClean="0"/>
-              <a:t>20.03.2024</a:t>
+              <a:t>22.04.2024</a:t>
             </a:fld>
             <a:endParaRPr lang="pl-PL"/>
           </a:p>
@@ -10703,7 +10703,7 @@
           <a:p>
             <a:fld id="{CF670440-02B1-48F1-AA81-AF2AD56BEBB0}" type="datetimeFigureOut">
               <a:rPr lang="pl-PL" smtClean="0"/>
-              <a:t>20.03.2024</a:t>
+              <a:t>22.04.2024</a:t>
             </a:fld>
             <a:endParaRPr lang="pl-PL"/>
           </a:p>
@@ -10798,7 +10798,7 @@
           <a:p>
             <a:fld id="{CF670440-02B1-48F1-AA81-AF2AD56BEBB0}" type="datetimeFigureOut">
               <a:rPr lang="pl-PL" smtClean="0"/>
-              <a:t>20.03.2024</a:t>
+              <a:t>22.04.2024</a:t>
             </a:fld>
             <a:endParaRPr lang="pl-PL"/>
           </a:p>
@@ -11075,7 +11075,7 @@
           <a:p>
             <a:fld id="{CF670440-02B1-48F1-AA81-AF2AD56BEBB0}" type="datetimeFigureOut">
               <a:rPr lang="pl-PL" smtClean="0"/>
-              <a:t>20.03.2024</a:t>
+              <a:t>22.04.2024</a:t>
             </a:fld>
             <a:endParaRPr lang="pl-PL"/>
           </a:p>
@@ -11332,7 +11332,7 @@
           <a:p>
             <a:fld id="{CF670440-02B1-48F1-AA81-AF2AD56BEBB0}" type="datetimeFigureOut">
               <a:rPr lang="pl-PL" smtClean="0"/>
-              <a:t>20.03.2024</a:t>
+              <a:t>22.04.2024</a:t>
             </a:fld>
             <a:endParaRPr lang="pl-PL"/>
           </a:p>
@@ -11545,7 +11545,7 @@
           <a:p>
             <a:fld id="{CF670440-02B1-48F1-AA81-AF2AD56BEBB0}" type="datetimeFigureOut">
               <a:rPr lang="pl-PL" smtClean="0"/>
-              <a:t>20.03.2024</a:t>
+              <a:t>22.04.2024</a:t>
             </a:fld>
             <a:endParaRPr lang="pl-PL"/>
           </a:p>
@@ -12083,7 +12083,7 @@
           <a:p>
             <a:fld id="{6BF00120-5FD5-4848-8E9F-274DF4A71269}" type="datetimeFigureOut">
               <a:rPr lang="en-GB" smtClean="0"/>
-              <a:t>20/03/2024</a:t>
+              <a:t>22/04/2024</a:t>
             </a:fld>
             <a:endParaRPr lang="en-GB"/>
           </a:p>
